--- a/images/GPU.pptx
+++ b/images/GPU.pptx
@@ -8,6 +8,7 @@
     <p:sldId id="256" r:id="rId2"/>
     <p:sldId id="257" r:id="rId3"/>
     <p:sldId id="258" r:id="rId4"/>
+    <p:sldId id="259" r:id="rId5"/>
   </p:sldIdLst>
   <p:sldSz cx="12192000" cy="6858000"/>
   <p:notesSz cx="6858000" cy="9144000"/>
@@ -3495,7 +3496,7 @@
           <p:nvPr>
             <p:extLst>
               <p:ext uri="{D42A27DB-BD31-4B8C-83A1-F6EECF244321}">
-                <p14:modId xmlns:p14="http://schemas.microsoft.com/office/powerpoint/2010/main" val="312446528"/>
+                <p14:modId xmlns:p14="http://schemas.microsoft.com/office/powerpoint/2010/main" val="2495626602"/>
               </p:ext>
             </p:extLst>
           </p:nvPr>
@@ -3759,7 +3760,7 @@
           <p:nvPr>
             <p:extLst>
               <p:ext uri="{D42A27DB-BD31-4B8C-83A1-F6EECF244321}">
-                <p14:modId xmlns:p14="http://schemas.microsoft.com/office/powerpoint/2010/main" val="3021713253"/>
+                <p14:modId xmlns:p14="http://schemas.microsoft.com/office/powerpoint/2010/main" val="619554002"/>
               </p:ext>
             </p:extLst>
           </p:nvPr>
@@ -3878,12 +3879,8 @@
                     <a:lstStyle/>
                     <a:p>
                       <a:r>
-                        <a:rPr lang="en-US" sz="1500"/>
-                        <a:t>Thousands </a:t>
-                      </a:r>
-                      <a:r>
                         <a:rPr lang="en-US" sz="1500" dirty="0"/>
-                        <a:t>of Cores</a:t>
+                        <a:t>100s or 1000s of Cores</a:t>
                       </a:r>
                     </a:p>
                   </a:txBody>
@@ -4002,7 +3999,7 @@
                     <a:p>
                       <a:r>
                         <a:rPr lang="en-US" sz="1500" dirty="0"/>
-                        <a:t>Traditional Programming Are Written For CPU Execution</a:t>
+                        <a:t>Traditional Programming Are Written For CPU Sequential Execution</a:t>
                       </a:r>
                     </a:p>
                   </a:txBody>
@@ -4015,7 +4012,7 @@
                     <a:p>
                       <a:r>
                         <a:rPr lang="en-US" sz="1500" dirty="0"/>
-                        <a:t>Requires Additional Software To Convert CPU Functions to GPU Functions</a:t>
+                        <a:t>Requires Additional Software To Convert CPU Functions to GPU Functions for Parallel Execution</a:t>
                       </a:r>
                     </a:p>
                   </a:txBody>
@@ -4096,7 +4093,7 @@
           <p:nvPr>
             <p:extLst>
               <p:ext uri="{D42A27DB-BD31-4B8C-83A1-F6EECF244321}">
-                <p14:modId xmlns:p14="http://schemas.microsoft.com/office/powerpoint/2010/main" val="520074904"/>
+                <p14:modId xmlns:p14="http://schemas.microsoft.com/office/powerpoint/2010/main" val="3844205309"/>
               </p:ext>
             </p:extLst>
           </p:nvPr>
@@ -17554,6 +17551,294 @@
 </p:sld>
 </file>
 
+<file path=ppt/slides/slide4.xml><?xml version="1.0" encoding="utf-8"?>
+<p:sld xmlns:a="http://schemas.openxmlformats.org/drawingml/2006/main" xmlns:r="http://schemas.openxmlformats.org/officeDocument/2006/relationships" xmlns:p="http://schemas.openxmlformats.org/presentationml/2006/main">
+  <p:cSld>
+    <p:spTree>
+      <p:nvGrpSpPr>
+        <p:cNvPr id="1" name=""/>
+        <p:cNvGrpSpPr/>
+        <p:nvPr/>
+      </p:nvGrpSpPr>
+      <p:grpSpPr>
+        <a:xfrm>
+          <a:off x="0" y="0"/>
+          <a:ext cx="0" cy="0"/>
+          <a:chOff x="0" y="0"/>
+          <a:chExt cx="0" cy="0"/>
+        </a:xfrm>
+      </p:grpSpPr>
+      <p:graphicFrame>
+        <p:nvGraphicFramePr>
+          <p:cNvPr id="2" name="Table 1">
+            <a:extLst>
+              <a:ext uri="{FF2B5EF4-FFF2-40B4-BE49-F238E27FC236}">
+                <a16:creationId xmlns:a16="http://schemas.microsoft.com/office/drawing/2014/main" id="{DC584976-E7B8-9647-A171-41341291138E}"/>
+              </a:ext>
+            </a:extLst>
+          </p:cNvPr>
+          <p:cNvGraphicFramePr>
+            <a:graphicFrameLocks noGrp="1"/>
+          </p:cNvGraphicFramePr>
+          <p:nvPr>
+            <p:extLst>
+              <p:ext uri="{D42A27DB-BD31-4B8C-83A1-F6EECF244321}">
+                <p14:modId xmlns:p14="http://schemas.microsoft.com/office/powerpoint/2010/main" val="2990657492"/>
+              </p:ext>
+            </p:extLst>
+          </p:nvPr>
+        </p:nvGraphicFramePr>
+        <p:xfrm>
+          <a:off x="3081448" y="4824527"/>
+          <a:ext cx="6190488" cy="1112520"/>
+        </p:xfrm>
+        <a:graphic>
+          <a:graphicData uri="http://schemas.openxmlformats.org/drawingml/2006/table">
+            <a:tbl>
+              <a:tblPr firstRow="1" bandRow="1">
+                <a:tableStyleId>{5C22544A-7EE6-4342-B048-85BDC9FD1C3A}</a:tableStyleId>
+              </a:tblPr>
+              <a:tblGrid>
+                <a:gridCol w="2591879">
+                  <a:extLst>
+                    <a:ext uri="{9D8B030D-6E8A-4147-A177-3AD203B41FA5}">
+                      <a16:colId xmlns:a16="http://schemas.microsoft.com/office/drawing/2014/main" val="1139429347"/>
+                    </a:ext>
+                  </a:extLst>
+                </a:gridCol>
+                <a:gridCol w="1743339">
+                  <a:extLst>
+                    <a:ext uri="{9D8B030D-6E8A-4147-A177-3AD203B41FA5}">
+                      <a16:colId xmlns:a16="http://schemas.microsoft.com/office/drawing/2014/main" val="1812691918"/>
+                    </a:ext>
+                  </a:extLst>
+                </a:gridCol>
+                <a:gridCol w="1855270">
+                  <a:extLst>
+                    <a:ext uri="{9D8B030D-6E8A-4147-A177-3AD203B41FA5}">
+                      <a16:colId xmlns:a16="http://schemas.microsoft.com/office/drawing/2014/main" val="4097402603"/>
+                    </a:ext>
+                  </a:extLst>
+                </a:gridCol>
+              </a:tblGrid>
+              <a:tr h="370840">
+                <a:tc>
+                  <a:txBody>
+                    <a:bodyPr/>
+                    <a:lstStyle/>
+                    <a:p>
+                      <a:endParaRPr lang="en-US" dirty="0"/>
+                    </a:p>
+                  </a:txBody>
+                  <a:tcPr/>
+                </a:tc>
+                <a:tc>
+                  <a:txBody>
+                    <a:bodyPr/>
+                    <a:lstStyle/>
+                    <a:p>
+                      <a:pPr algn="ctr"/>
+                      <a:r>
+                        <a:rPr lang="en-US" dirty="0"/>
+                        <a:t>With GPU</a:t>
+                      </a:r>
+                    </a:p>
+                  </a:txBody>
+                  <a:tcPr/>
+                </a:tc>
+                <a:tc>
+                  <a:txBody>
+                    <a:bodyPr/>
+                    <a:lstStyle/>
+                    <a:p>
+                      <a:pPr algn="ctr"/>
+                      <a:r>
+                        <a:rPr lang="en-US" dirty="0"/>
+                        <a:t>W/O GPU</a:t>
+                      </a:r>
+                    </a:p>
+                  </a:txBody>
+                  <a:tcPr/>
+                </a:tc>
+                <a:extLst>
+                  <a:ext uri="{0D108BD9-81ED-4DB2-BD59-A6C34878D82A}">
+                    <a16:rowId xmlns:a16="http://schemas.microsoft.com/office/drawing/2014/main" val="1373553232"/>
+                  </a:ext>
+                </a:extLst>
+              </a:tr>
+              <a:tr h="370840">
+                <a:tc>
+                  <a:txBody>
+                    <a:bodyPr/>
+                    <a:lstStyle/>
+                    <a:p>
+                      <a:r>
+                        <a:rPr lang="en-US" dirty="0"/>
+                        <a:t>Total Training Time (s)</a:t>
+                      </a:r>
+                    </a:p>
+                  </a:txBody>
+                  <a:tcPr/>
+                </a:tc>
+                <a:tc>
+                  <a:txBody>
+                    <a:bodyPr/>
+                    <a:lstStyle/>
+                    <a:p>
+                      <a:pPr algn="ctr"/>
+                      <a:r>
+                        <a:rPr lang="en-US" dirty="0"/>
+                        <a:t>134.9</a:t>
+                      </a:r>
+                    </a:p>
+                  </a:txBody>
+                  <a:tcPr/>
+                </a:tc>
+                <a:tc>
+                  <a:txBody>
+                    <a:bodyPr/>
+                    <a:lstStyle/>
+                    <a:p>
+                      <a:pPr algn="ctr"/>
+                      <a:r>
+                        <a:rPr lang="en-US" dirty="0"/>
+                        <a:t>3628.40 (~1 hour)</a:t>
+                      </a:r>
+                    </a:p>
+                  </a:txBody>
+                  <a:tcPr/>
+                </a:tc>
+                <a:extLst>
+                  <a:ext uri="{0D108BD9-81ED-4DB2-BD59-A6C34878D82A}">
+                    <a16:rowId xmlns:a16="http://schemas.microsoft.com/office/drawing/2014/main" val="3676857850"/>
+                  </a:ext>
+                </a:extLst>
+              </a:tr>
+              <a:tr h="370840">
+                <a:tc>
+                  <a:txBody>
+                    <a:bodyPr/>
+                    <a:lstStyle/>
+                    <a:p>
+                      <a:r>
+                        <a:rPr lang="en-US" dirty="0"/>
+                        <a:t>Average EPS</a:t>
+                      </a:r>
+                    </a:p>
+                  </a:txBody>
+                  <a:tcPr/>
+                </a:tc>
+                <a:tc>
+                  <a:txBody>
+                    <a:bodyPr/>
+                    <a:lstStyle/>
+                    <a:p>
+                      <a:pPr algn="ctr"/>
+                      <a:r>
+                        <a:rPr lang="en-US" dirty="0"/>
+                        <a:t>9805</a:t>
+                      </a:r>
+                    </a:p>
+                  </a:txBody>
+                  <a:tcPr/>
+                </a:tc>
+                <a:tc>
+                  <a:txBody>
+                    <a:bodyPr/>
+                    <a:lstStyle/>
+                    <a:p>
+                      <a:pPr algn="ctr"/>
+                      <a:r>
+                        <a:rPr lang="en-US" dirty="0"/>
+                        <a:t>355</a:t>
+                      </a:r>
+                    </a:p>
+                  </a:txBody>
+                  <a:tcPr/>
+                </a:tc>
+                <a:extLst>
+                  <a:ext uri="{0D108BD9-81ED-4DB2-BD59-A6C34878D82A}">
+                    <a16:rowId xmlns:a16="http://schemas.microsoft.com/office/drawing/2014/main" val="1928134286"/>
+                  </a:ext>
+                </a:extLst>
+              </a:tr>
+            </a:tbl>
+          </a:graphicData>
+        </a:graphic>
+      </p:graphicFrame>
+      <p:pic>
+        <p:nvPicPr>
+          <p:cNvPr id="4" name="Picture 3" descr="A screenshot of a cell phone&#10;&#10;Description automatically generated">
+            <a:extLst>
+              <a:ext uri="{FF2B5EF4-FFF2-40B4-BE49-F238E27FC236}">
+                <a16:creationId xmlns:a16="http://schemas.microsoft.com/office/drawing/2014/main" id="{9F604E5F-A786-1643-B3E4-8A3C24F52E62}"/>
+              </a:ext>
+            </a:extLst>
+          </p:cNvPr>
+          <p:cNvPicPr>
+            <a:picLocks noChangeAspect="1"/>
+          </p:cNvPicPr>
+          <p:nvPr/>
+        </p:nvPicPr>
+        <p:blipFill>
+          <a:blip r:embed="rId2"/>
+          <a:stretch>
+            <a:fillRect/>
+          </a:stretch>
+        </p:blipFill>
+        <p:spPr>
+          <a:xfrm>
+            <a:off x="1240023" y="1162049"/>
+            <a:ext cx="4698371" cy="3368109"/>
+          </a:xfrm>
+          <a:prstGeom prst="rect">
+            <a:avLst/>
+          </a:prstGeom>
+        </p:spPr>
+      </p:pic>
+      <p:pic>
+        <p:nvPicPr>
+          <p:cNvPr id="6" name="Picture 5" descr="A close up of a piece of paper&#10;&#10;Description automatically generated">
+            <a:extLst>
+              <a:ext uri="{FF2B5EF4-FFF2-40B4-BE49-F238E27FC236}">
+                <a16:creationId xmlns:a16="http://schemas.microsoft.com/office/drawing/2014/main" id="{5F80E350-C12A-7546-A596-B8C7316B294F}"/>
+              </a:ext>
+            </a:extLst>
+          </p:cNvPr>
+          <p:cNvPicPr>
+            <a:picLocks noChangeAspect="1"/>
+          </p:cNvPicPr>
+          <p:nvPr/>
+        </p:nvPicPr>
+        <p:blipFill>
+          <a:blip r:embed="rId3"/>
+          <a:stretch>
+            <a:fillRect/>
+          </a:stretch>
+        </p:blipFill>
+        <p:spPr>
+          <a:xfrm>
+            <a:off x="6176692" y="1162049"/>
+            <a:ext cx="4811583" cy="3368109"/>
+          </a:xfrm>
+          <a:prstGeom prst="rect">
+            <a:avLst/>
+          </a:prstGeom>
+        </p:spPr>
+      </p:pic>
+    </p:spTree>
+    <p:extLst>
+      <p:ext uri="{BB962C8B-B14F-4D97-AF65-F5344CB8AC3E}">
+        <p14:creationId xmlns:p14="http://schemas.microsoft.com/office/powerpoint/2010/main" val="2701998489"/>
+      </p:ext>
+    </p:extLst>
+  </p:cSld>
+  <p:clrMapOvr>
+    <a:masterClrMapping/>
+  </p:clrMapOvr>
+</p:sld>
+</file>
+
 <file path=ppt/theme/theme1.xml><?xml version="1.0" encoding="utf-8"?>
 <a:theme xmlns:a="http://schemas.openxmlformats.org/drawingml/2006/main" name="Office Theme">
   <a:themeElements>
